--- a/ppt 16-9/0179.基督降世.pptx
+++ b/ppt 16-9/0179.基督降世.pptx
@@ -129,7 +129,7 @@
           <p:cNvPr id="2" name="标题 1">
             <a:extLst>
               <a:ext uri="{FF2B5EF4-FFF2-40B4-BE49-F238E27FC236}">
-                <a16:creationId xmlns:a16="http://schemas.microsoft.com/office/drawing/2014/main" id="{411A937D-6A7C-6536-DB88-45048D6E3F93}"/>
+                <a16:creationId xmlns:a16="http://schemas.microsoft.com/office/drawing/2014/main" id="{6BB3A6CD-F2E7-4C13-1378-88BB93CFDAAF}"/>
               </a:ext>
             </a:extLst>
           </p:cNvPr>
@@ -166,7 +166,7 @@
           <p:cNvPr id="3" name="副标题 2">
             <a:extLst>
               <a:ext uri="{FF2B5EF4-FFF2-40B4-BE49-F238E27FC236}">
-                <a16:creationId xmlns:a16="http://schemas.microsoft.com/office/drawing/2014/main" id="{2EBDC80F-E5DD-BA7C-FD9F-5BF6FA24046A}"/>
+                <a16:creationId xmlns:a16="http://schemas.microsoft.com/office/drawing/2014/main" id="{F552F4C9-DCDC-080D-EE4E-A4EB9E4B1AE0}"/>
               </a:ext>
             </a:extLst>
           </p:cNvPr>
@@ -236,7 +236,7 @@
           <p:cNvPr id="4" name="日期占位符 3">
             <a:extLst>
               <a:ext uri="{FF2B5EF4-FFF2-40B4-BE49-F238E27FC236}">
-                <a16:creationId xmlns:a16="http://schemas.microsoft.com/office/drawing/2014/main" id="{507D93B1-A9E6-5D4A-7C60-3F704760E6A2}"/>
+                <a16:creationId xmlns:a16="http://schemas.microsoft.com/office/drawing/2014/main" id="{9223F01F-450C-F628-D8CD-35D04C36FE50}"/>
               </a:ext>
             </a:extLst>
           </p:cNvPr>
@@ -252,7 +252,7 @@
           <a:bodyPr/>
           <a:lstStyle/>
           <a:p>
-            <a:fld id="{6502C40B-CA3E-47B3-A487-90A2E80DDA92}" type="datetimeFigureOut">
+            <a:fld id="{9368BF96-407F-48CC-9B0B-0AAEACAB5580}" type="datetimeFigureOut">
               <a:rPr lang="zh-CN" altLang="en-US" smtClean="0"/>
               <a:t>2024/3/10</a:t>
             </a:fld>
@@ -265,7 +265,7 @@
           <p:cNvPr id="5" name="页脚占位符 4">
             <a:extLst>
               <a:ext uri="{FF2B5EF4-FFF2-40B4-BE49-F238E27FC236}">
-                <a16:creationId xmlns:a16="http://schemas.microsoft.com/office/drawing/2014/main" id="{83263180-F5F3-6EC2-09F4-9D0AC873098B}"/>
+                <a16:creationId xmlns:a16="http://schemas.microsoft.com/office/drawing/2014/main" id="{B1988A5B-DA93-75A2-5C3E-142D42DD44C0}"/>
               </a:ext>
             </a:extLst>
           </p:cNvPr>
@@ -290,7 +290,7 @@
           <p:cNvPr id="6" name="灯片编号占位符 5">
             <a:extLst>
               <a:ext uri="{FF2B5EF4-FFF2-40B4-BE49-F238E27FC236}">
-                <a16:creationId xmlns:a16="http://schemas.microsoft.com/office/drawing/2014/main" id="{E1E8876E-2D5A-FF3C-1B2B-64FE29407384}"/>
+                <a16:creationId xmlns:a16="http://schemas.microsoft.com/office/drawing/2014/main" id="{3101999C-115A-1515-FC57-E8820E5BD1CE}"/>
               </a:ext>
             </a:extLst>
           </p:cNvPr>
@@ -306,7 +306,7 @@
           <a:bodyPr/>
           <a:lstStyle/>
           <a:p>
-            <a:fld id="{8889E6E1-C1D3-4F39-809C-6D700C9DA04E}" type="slidenum">
+            <a:fld id="{29B6579C-3C30-4D3C-B365-A7EE7C28A979}" type="slidenum">
               <a:rPr lang="zh-CN" altLang="en-US" smtClean="0"/>
               <a:t>‹#›</a:t>
             </a:fld>
@@ -317,7 +317,7 @@
     </p:spTree>
     <p:extLst>
       <p:ext uri="{BB962C8B-B14F-4D97-AF65-F5344CB8AC3E}">
-        <p14:creationId xmlns:p14="http://schemas.microsoft.com/office/powerpoint/2010/main" val="3089627734"/>
+        <p14:creationId xmlns:p14="http://schemas.microsoft.com/office/powerpoint/2010/main" val="375565514"/>
       </p:ext>
     </p:extLst>
   </p:cSld>
@@ -349,7 +349,7 @@
           <p:cNvPr id="2" name="标题 1">
             <a:extLst>
               <a:ext uri="{FF2B5EF4-FFF2-40B4-BE49-F238E27FC236}">
-                <a16:creationId xmlns:a16="http://schemas.microsoft.com/office/drawing/2014/main" id="{466E4687-BB14-7B39-6703-C896DC61AEA8}"/>
+                <a16:creationId xmlns:a16="http://schemas.microsoft.com/office/drawing/2014/main" id="{E6331EA4-AF65-0E49-F329-4BE9BEE1C474}"/>
               </a:ext>
             </a:extLst>
           </p:cNvPr>
@@ -377,7 +377,7 @@
           <p:cNvPr id="3" name="竖排文字占位符 2">
             <a:extLst>
               <a:ext uri="{FF2B5EF4-FFF2-40B4-BE49-F238E27FC236}">
-                <a16:creationId xmlns:a16="http://schemas.microsoft.com/office/drawing/2014/main" id="{566A4DC3-3CD7-2B27-2D5D-3B6916A875D2}"/>
+                <a16:creationId xmlns:a16="http://schemas.microsoft.com/office/drawing/2014/main" id="{7E5DE5B9-8F73-6B26-92E8-1F9D6F815F9F}"/>
               </a:ext>
             </a:extLst>
           </p:cNvPr>
@@ -434,7 +434,7 @@
           <p:cNvPr id="4" name="日期占位符 3">
             <a:extLst>
               <a:ext uri="{FF2B5EF4-FFF2-40B4-BE49-F238E27FC236}">
-                <a16:creationId xmlns:a16="http://schemas.microsoft.com/office/drawing/2014/main" id="{4A5B3C4B-CC12-BB3C-470B-9AF44B420B18}"/>
+                <a16:creationId xmlns:a16="http://schemas.microsoft.com/office/drawing/2014/main" id="{1C699BA3-D39A-6DE6-7CC4-E24A1B760CC4}"/>
               </a:ext>
             </a:extLst>
           </p:cNvPr>
@@ -450,7 +450,7 @@
           <a:bodyPr/>
           <a:lstStyle/>
           <a:p>
-            <a:fld id="{6502C40B-CA3E-47B3-A487-90A2E80DDA92}" type="datetimeFigureOut">
+            <a:fld id="{9368BF96-407F-48CC-9B0B-0AAEACAB5580}" type="datetimeFigureOut">
               <a:rPr lang="zh-CN" altLang="en-US" smtClean="0"/>
               <a:t>2024/3/10</a:t>
             </a:fld>
@@ -463,7 +463,7 @@
           <p:cNvPr id="5" name="页脚占位符 4">
             <a:extLst>
               <a:ext uri="{FF2B5EF4-FFF2-40B4-BE49-F238E27FC236}">
-                <a16:creationId xmlns:a16="http://schemas.microsoft.com/office/drawing/2014/main" id="{F44945F0-E4A3-40C7-4B88-94AADB2F47BD}"/>
+                <a16:creationId xmlns:a16="http://schemas.microsoft.com/office/drawing/2014/main" id="{449A0E11-5DA5-DEA0-EA38-F742ED6B8191}"/>
               </a:ext>
             </a:extLst>
           </p:cNvPr>
@@ -488,7 +488,7 @@
           <p:cNvPr id="6" name="灯片编号占位符 5">
             <a:extLst>
               <a:ext uri="{FF2B5EF4-FFF2-40B4-BE49-F238E27FC236}">
-                <a16:creationId xmlns:a16="http://schemas.microsoft.com/office/drawing/2014/main" id="{ED7D0708-048B-64FC-B4AA-3E16A90A42FB}"/>
+                <a16:creationId xmlns:a16="http://schemas.microsoft.com/office/drawing/2014/main" id="{0DC115A5-BBED-7474-AE20-FD19069603AF}"/>
               </a:ext>
             </a:extLst>
           </p:cNvPr>
@@ -504,7 +504,7 @@
           <a:bodyPr/>
           <a:lstStyle/>
           <a:p>
-            <a:fld id="{8889E6E1-C1D3-4F39-809C-6D700C9DA04E}" type="slidenum">
+            <a:fld id="{29B6579C-3C30-4D3C-B365-A7EE7C28A979}" type="slidenum">
               <a:rPr lang="zh-CN" altLang="en-US" smtClean="0"/>
               <a:t>‹#›</a:t>
             </a:fld>
@@ -515,7 +515,7 @@
     </p:spTree>
     <p:extLst>
       <p:ext uri="{BB962C8B-B14F-4D97-AF65-F5344CB8AC3E}">
-        <p14:creationId xmlns:p14="http://schemas.microsoft.com/office/powerpoint/2010/main" val="678710377"/>
+        <p14:creationId xmlns:p14="http://schemas.microsoft.com/office/powerpoint/2010/main" val="3371537327"/>
       </p:ext>
     </p:extLst>
   </p:cSld>
@@ -547,7 +547,7 @@
           <p:cNvPr id="2" name="竖排标题 1">
             <a:extLst>
               <a:ext uri="{FF2B5EF4-FFF2-40B4-BE49-F238E27FC236}">
-                <a16:creationId xmlns:a16="http://schemas.microsoft.com/office/drawing/2014/main" id="{3DC0366C-F666-0EB3-B516-CB31BE32891E}"/>
+                <a16:creationId xmlns:a16="http://schemas.microsoft.com/office/drawing/2014/main" id="{1E6D2D0B-CB1F-CDA5-C40C-A6855222A663}"/>
               </a:ext>
             </a:extLst>
           </p:cNvPr>
@@ -580,7 +580,7 @@
           <p:cNvPr id="3" name="竖排文字占位符 2">
             <a:extLst>
               <a:ext uri="{FF2B5EF4-FFF2-40B4-BE49-F238E27FC236}">
-                <a16:creationId xmlns:a16="http://schemas.microsoft.com/office/drawing/2014/main" id="{1C193C91-4904-092D-83DA-85F101F5B0B6}"/>
+                <a16:creationId xmlns:a16="http://schemas.microsoft.com/office/drawing/2014/main" id="{2A13153F-7BDA-8D45-B81F-2394EF9DC27E}"/>
               </a:ext>
             </a:extLst>
           </p:cNvPr>
@@ -642,7 +642,7 @@
           <p:cNvPr id="4" name="日期占位符 3">
             <a:extLst>
               <a:ext uri="{FF2B5EF4-FFF2-40B4-BE49-F238E27FC236}">
-                <a16:creationId xmlns:a16="http://schemas.microsoft.com/office/drawing/2014/main" id="{83188AF3-2BE8-83CB-AEE9-6B4561FD5196}"/>
+                <a16:creationId xmlns:a16="http://schemas.microsoft.com/office/drawing/2014/main" id="{AD1362F9-3676-1724-C9ED-1796F1018EC1}"/>
               </a:ext>
             </a:extLst>
           </p:cNvPr>
@@ -658,7 +658,7 @@
           <a:bodyPr/>
           <a:lstStyle/>
           <a:p>
-            <a:fld id="{6502C40B-CA3E-47B3-A487-90A2E80DDA92}" type="datetimeFigureOut">
+            <a:fld id="{9368BF96-407F-48CC-9B0B-0AAEACAB5580}" type="datetimeFigureOut">
               <a:rPr lang="zh-CN" altLang="en-US" smtClean="0"/>
               <a:t>2024/3/10</a:t>
             </a:fld>
@@ -671,7 +671,7 @@
           <p:cNvPr id="5" name="页脚占位符 4">
             <a:extLst>
               <a:ext uri="{FF2B5EF4-FFF2-40B4-BE49-F238E27FC236}">
-                <a16:creationId xmlns:a16="http://schemas.microsoft.com/office/drawing/2014/main" id="{582FAFA5-1BCB-46DF-58B7-2754E33C8572}"/>
+                <a16:creationId xmlns:a16="http://schemas.microsoft.com/office/drawing/2014/main" id="{CFF69598-F44D-B548-E3E1-B71963906A49}"/>
               </a:ext>
             </a:extLst>
           </p:cNvPr>
@@ -696,7 +696,7 @@
           <p:cNvPr id="6" name="灯片编号占位符 5">
             <a:extLst>
               <a:ext uri="{FF2B5EF4-FFF2-40B4-BE49-F238E27FC236}">
-                <a16:creationId xmlns:a16="http://schemas.microsoft.com/office/drawing/2014/main" id="{7486CBB2-A4D7-08D6-54AD-07734D4AEA00}"/>
+                <a16:creationId xmlns:a16="http://schemas.microsoft.com/office/drawing/2014/main" id="{0D3DC617-7A8E-3A32-6B04-197DEB184784}"/>
               </a:ext>
             </a:extLst>
           </p:cNvPr>
@@ -712,7 +712,7 @@
           <a:bodyPr/>
           <a:lstStyle/>
           <a:p>
-            <a:fld id="{8889E6E1-C1D3-4F39-809C-6D700C9DA04E}" type="slidenum">
+            <a:fld id="{29B6579C-3C30-4D3C-B365-A7EE7C28A979}" type="slidenum">
               <a:rPr lang="zh-CN" altLang="en-US" smtClean="0"/>
               <a:t>‹#›</a:t>
             </a:fld>
@@ -723,7 +723,7 @@
     </p:spTree>
     <p:extLst>
       <p:ext uri="{BB962C8B-B14F-4D97-AF65-F5344CB8AC3E}">
-        <p14:creationId xmlns:p14="http://schemas.microsoft.com/office/powerpoint/2010/main" val="221009665"/>
+        <p14:creationId xmlns:p14="http://schemas.microsoft.com/office/powerpoint/2010/main" val="1441685898"/>
       </p:ext>
     </p:extLst>
   </p:cSld>
@@ -755,7 +755,7 @@
           <p:cNvPr id="2" name="标题 1">
             <a:extLst>
               <a:ext uri="{FF2B5EF4-FFF2-40B4-BE49-F238E27FC236}">
-                <a16:creationId xmlns:a16="http://schemas.microsoft.com/office/drawing/2014/main" id="{AEBDE7A8-2689-1B2F-D514-9BC06C0E3691}"/>
+                <a16:creationId xmlns:a16="http://schemas.microsoft.com/office/drawing/2014/main" id="{572CB706-B31A-C0AE-609A-4E97BC31F3A4}"/>
               </a:ext>
             </a:extLst>
           </p:cNvPr>
@@ -783,7 +783,7 @@
           <p:cNvPr id="3" name="内容占位符 2">
             <a:extLst>
               <a:ext uri="{FF2B5EF4-FFF2-40B4-BE49-F238E27FC236}">
-                <a16:creationId xmlns:a16="http://schemas.microsoft.com/office/drawing/2014/main" id="{ED5FF218-2F50-337D-C0BC-03DA779EADC2}"/>
+                <a16:creationId xmlns:a16="http://schemas.microsoft.com/office/drawing/2014/main" id="{53F2B6DE-7BE6-ABFA-0728-8C31D8255DA2}"/>
               </a:ext>
             </a:extLst>
           </p:cNvPr>
@@ -840,7 +840,7 @@
           <p:cNvPr id="4" name="日期占位符 3">
             <a:extLst>
               <a:ext uri="{FF2B5EF4-FFF2-40B4-BE49-F238E27FC236}">
-                <a16:creationId xmlns:a16="http://schemas.microsoft.com/office/drawing/2014/main" id="{875E1E7F-739E-6A71-73FA-72AB1C3E68A0}"/>
+                <a16:creationId xmlns:a16="http://schemas.microsoft.com/office/drawing/2014/main" id="{73979449-76CB-6141-6621-B84D200257A4}"/>
               </a:ext>
             </a:extLst>
           </p:cNvPr>
@@ -856,7 +856,7 @@
           <a:bodyPr/>
           <a:lstStyle/>
           <a:p>
-            <a:fld id="{6502C40B-CA3E-47B3-A487-90A2E80DDA92}" type="datetimeFigureOut">
+            <a:fld id="{9368BF96-407F-48CC-9B0B-0AAEACAB5580}" type="datetimeFigureOut">
               <a:rPr lang="zh-CN" altLang="en-US" smtClean="0"/>
               <a:t>2024/3/10</a:t>
             </a:fld>
@@ -869,7 +869,7 @@
           <p:cNvPr id="5" name="页脚占位符 4">
             <a:extLst>
               <a:ext uri="{FF2B5EF4-FFF2-40B4-BE49-F238E27FC236}">
-                <a16:creationId xmlns:a16="http://schemas.microsoft.com/office/drawing/2014/main" id="{FF0755F0-5B69-170B-A4DC-61E9180A0825}"/>
+                <a16:creationId xmlns:a16="http://schemas.microsoft.com/office/drawing/2014/main" id="{66376792-D47E-E314-EDE4-FF3AE514FC59}"/>
               </a:ext>
             </a:extLst>
           </p:cNvPr>
@@ -894,7 +894,7 @@
           <p:cNvPr id="6" name="灯片编号占位符 5">
             <a:extLst>
               <a:ext uri="{FF2B5EF4-FFF2-40B4-BE49-F238E27FC236}">
-                <a16:creationId xmlns:a16="http://schemas.microsoft.com/office/drawing/2014/main" id="{A5CD388A-6E62-7927-1BA6-49F22DA79289}"/>
+                <a16:creationId xmlns:a16="http://schemas.microsoft.com/office/drawing/2014/main" id="{45F51952-65E1-D6C2-59AD-D5FCAE957980}"/>
               </a:ext>
             </a:extLst>
           </p:cNvPr>
@@ -910,7 +910,7 @@
           <a:bodyPr/>
           <a:lstStyle/>
           <a:p>
-            <a:fld id="{8889E6E1-C1D3-4F39-809C-6D700C9DA04E}" type="slidenum">
+            <a:fld id="{29B6579C-3C30-4D3C-B365-A7EE7C28A979}" type="slidenum">
               <a:rPr lang="zh-CN" altLang="en-US" smtClean="0"/>
               <a:t>‹#›</a:t>
             </a:fld>
@@ -921,7 +921,7 @@
     </p:spTree>
     <p:extLst>
       <p:ext uri="{BB962C8B-B14F-4D97-AF65-F5344CB8AC3E}">
-        <p14:creationId xmlns:p14="http://schemas.microsoft.com/office/powerpoint/2010/main" val="720170783"/>
+        <p14:creationId xmlns:p14="http://schemas.microsoft.com/office/powerpoint/2010/main" val="2728967370"/>
       </p:ext>
     </p:extLst>
   </p:cSld>
@@ -953,7 +953,7 @@
           <p:cNvPr id="2" name="标题 1">
             <a:extLst>
               <a:ext uri="{FF2B5EF4-FFF2-40B4-BE49-F238E27FC236}">
-                <a16:creationId xmlns:a16="http://schemas.microsoft.com/office/drawing/2014/main" id="{1975495B-FEC0-D36A-4235-4065CB966BCC}"/>
+                <a16:creationId xmlns:a16="http://schemas.microsoft.com/office/drawing/2014/main" id="{5918A4D7-6EF1-61D4-2202-6DCDE0F8EFE4}"/>
               </a:ext>
             </a:extLst>
           </p:cNvPr>
@@ -990,7 +990,7 @@
           <p:cNvPr id="3" name="文本占位符 2">
             <a:extLst>
               <a:ext uri="{FF2B5EF4-FFF2-40B4-BE49-F238E27FC236}">
-                <a16:creationId xmlns:a16="http://schemas.microsoft.com/office/drawing/2014/main" id="{FEC18AD4-F33D-AAD2-3A33-026BAAA7907C}"/>
+                <a16:creationId xmlns:a16="http://schemas.microsoft.com/office/drawing/2014/main" id="{09CA5038-A576-6D99-1B9B-90A1049EF43B}"/>
               </a:ext>
             </a:extLst>
           </p:cNvPr>
@@ -1115,7 +1115,7 @@
           <p:cNvPr id="4" name="日期占位符 3">
             <a:extLst>
               <a:ext uri="{FF2B5EF4-FFF2-40B4-BE49-F238E27FC236}">
-                <a16:creationId xmlns:a16="http://schemas.microsoft.com/office/drawing/2014/main" id="{070927AC-76DB-7354-92EC-DB4798D65728}"/>
+                <a16:creationId xmlns:a16="http://schemas.microsoft.com/office/drawing/2014/main" id="{551ADF06-2BEF-07CB-C5A1-0ED5AFBF8D5C}"/>
               </a:ext>
             </a:extLst>
           </p:cNvPr>
@@ -1131,7 +1131,7 @@
           <a:bodyPr/>
           <a:lstStyle/>
           <a:p>
-            <a:fld id="{6502C40B-CA3E-47B3-A487-90A2E80DDA92}" type="datetimeFigureOut">
+            <a:fld id="{9368BF96-407F-48CC-9B0B-0AAEACAB5580}" type="datetimeFigureOut">
               <a:rPr lang="zh-CN" altLang="en-US" smtClean="0"/>
               <a:t>2024/3/10</a:t>
             </a:fld>
@@ -1144,7 +1144,7 @@
           <p:cNvPr id="5" name="页脚占位符 4">
             <a:extLst>
               <a:ext uri="{FF2B5EF4-FFF2-40B4-BE49-F238E27FC236}">
-                <a16:creationId xmlns:a16="http://schemas.microsoft.com/office/drawing/2014/main" id="{C16F6284-43D1-1105-E360-ED827C281CE1}"/>
+                <a16:creationId xmlns:a16="http://schemas.microsoft.com/office/drawing/2014/main" id="{7D630CA8-39A9-5443-AEBE-E8B1B99F8FE8}"/>
               </a:ext>
             </a:extLst>
           </p:cNvPr>
@@ -1169,7 +1169,7 @@
           <p:cNvPr id="6" name="灯片编号占位符 5">
             <a:extLst>
               <a:ext uri="{FF2B5EF4-FFF2-40B4-BE49-F238E27FC236}">
-                <a16:creationId xmlns:a16="http://schemas.microsoft.com/office/drawing/2014/main" id="{B11F43AF-83AE-993C-E914-1AE434BFD250}"/>
+                <a16:creationId xmlns:a16="http://schemas.microsoft.com/office/drawing/2014/main" id="{EBF48971-0BB9-5975-5CBF-C1F2545978C3}"/>
               </a:ext>
             </a:extLst>
           </p:cNvPr>
@@ -1185,7 +1185,7 @@
           <a:bodyPr/>
           <a:lstStyle/>
           <a:p>
-            <a:fld id="{8889E6E1-C1D3-4F39-809C-6D700C9DA04E}" type="slidenum">
+            <a:fld id="{29B6579C-3C30-4D3C-B365-A7EE7C28A979}" type="slidenum">
               <a:rPr lang="zh-CN" altLang="en-US" smtClean="0"/>
               <a:t>‹#›</a:t>
             </a:fld>
@@ -1196,7 +1196,7 @@
     </p:spTree>
     <p:extLst>
       <p:ext uri="{BB962C8B-B14F-4D97-AF65-F5344CB8AC3E}">
-        <p14:creationId xmlns:p14="http://schemas.microsoft.com/office/powerpoint/2010/main" val="3302093085"/>
+        <p14:creationId xmlns:p14="http://schemas.microsoft.com/office/powerpoint/2010/main" val="1154175634"/>
       </p:ext>
     </p:extLst>
   </p:cSld>
@@ -1228,7 +1228,7 @@
           <p:cNvPr id="2" name="标题 1">
             <a:extLst>
               <a:ext uri="{FF2B5EF4-FFF2-40B4-BE49-F238E27FC236}">
-                <a16:creationId xmlns:a16="http://schemas.microsoft.com/office/drawing/2014/main" id="{7D4AE0F3-9850-5F9D-521F-23AA34A4F760}"/>
+                <a16:creationId xmlns:a16="http://schemas.microsoft.com/office/drawing/2014/main" id="{7495B404-1FE5-1B7A-ED31-39DDE821F64E}"/>
               </a:ext>
             </a:extLst>
           </p:cNvPr>
@@ -1256,7 +1256,7 @@
           <p:cNvPr id="3" name="内容占位符 2">
             <a:extLst>
               <a:ext uri="{FF2B5EF4-FFF2-40B4-BE49-F238E27FC236}">
-                <a16:creationId xmlns:a16="http://schemas.microsoft.com/office/drawing/2014/main" id="{78582864-59DF-E554-387E-668D570FFF34}"/>
+                <a16:creationId xmlns:a16="http://schemas.microsoft.com/office/drawing/2014/main" id="{876D1ED3-43DC-2252-3B2D-7B69E6173F7D}"/>
               </a:ext>
             </a:extLst>
           </p:cNvPr>
@@ -1318,7 +1318,7 @@
           <p:cNvPr id="4" name="内容占位符 3">
             <a:extLst>
               <a:ext uri="{FF2B5EF4-FFF2-40B4-BE49-F238E27FC236}">
-                <a16:creationId xmlns:a16="http://schemas.microsoft.com/office/drawing/2014/main" id="{703780E8-2CE4-DFCB-C35E-F801A19FB693}"/>
+                <a16:creationId xmlns:a16="http://schemas.microsoft.com/office/drawing/2014/main" id="{B9EC3EC0-4312-8CF4-C29D-DA46EC2C39E8}"/>
               </a:ext>
             </a:extLst>
           </p:cNvPr>
@@ -1380,7 +1380,7 @@
           <p:cNvPr id="5" name="日期占位符 4">
             <a:extLst>
               <a:ext uri="{FF2B5EF4-FFF2-40B4-BE49-F238E27FC236}">
-                <a16:creationId xmlns:a16="http://schemas.microsoft.com/office/drawing/2014/main" id="{8D1DAB1D-F6A1-5590-E4A1-D94C09E3737B}"/>
+                <a16:creationId xmlns:a16="http://schemas.microsoft.com/office/drawing/2014/main" id="{1FA79C6E-766E-7241-35DB-138AE4733792}"/>
               </a:ext>
             </a:extLst>
           </p:cNvPr>
@@ -1396,7 +1396,7 @@
           <a:bodyPr/>
           <a:lstStyle/>
           <a:p>
-            <a:fld id="{6502C40B-CA3E-47B3-A487-90A2E80DDA92}" type="datetimeFigureOut">
+            <a:fld id="{9368BF96-407F-48CC-9B0B-0AAEACAB5580}" type="datetimeFigureOut">
               <a:rPr lang="zh-CN" altLang="en-US" smtClean="0"/>
               <a:t>2024/3/10</a:t>
             </a:fld>
@@ -1409,7 +1409,7 @@
           <p:cNvPr id="6" name="页脚占位符 5">
             <a:extLst>
               <a:ext uri="{FF2B5EF4-FFF2-40B4-BE49-F238E27FC236}">
-                <a16:creationId xmlns:a16="http://schemas.microsoft.com/office/drawing/2014/main" id="{B35596B5-7598-50EE-7818-DA87A571D822}"/>
+                <a16:creationId xmlns:a16="http://schemas.microsoft.com/office/drawing/2014/main" id="{24A9A312-89DB-0F6A-E73C-397A25FA5F44}"/>
               </a:ext>
             </a:extLst>
           </p:cNvPr>
@@ -1434,7 +1434,7 @@
           <p:cNvPr id="7" name="灯片编号占位符 6">
             <a:extLst>
               <a:ext uri="{FF2B5EF4-FFF2-40B4-BE49-F238E27FC236}">
-                <a16:creationId xmlns:a16="http://schemas.microsoft.com/office/drawing/2014/main" id="{CEA8AE01-8F5F-DEC0-A1DB-7C7F9719B034}"/>
+                <a16:creationId xmlns:a16="http://schemas.microsoft.com/office/drawing/2014/main" id="{901099DE-681C-45D8-2013-A2B506B1DB1E}"/>
               </a:ext>
             </a:extLst>
           </p:cNvPr>
@@ -1450,7 +1450,7 @@
           <a:bodyPr/>
           <a:lstStyle/>
           <a:p>
-            <a:fld id="{8889E6E1-C1D3-4F39-809C-6D700C9DA04E}" type="slidenum">
+            <a:fld id="{29B6579C-3C30-4D3C-B365-A7EE7C28A979}" type="slidenum">
               <a:rPr lang="zh-CN" altLang="en-US" smtClean="0"/>
               <a:t>‹#›</a:t>
             </a:fld>
@@ -1461,7 +1461,7 @@
     </p:spTree>
     <p:extLst>
       <p:ext uri="{BB962C8B-B14F-4D97-AF65-F5344CB8AC3E}">
-        <p14:creationId xmlns:p14="http://schemas.microsoft.com/office/powerpoint/2010/main" val="1551288573"/>
+        <p14:creationId xmlns:p14="http://schemas.microsoft.com/office/powerpoint/2010/main" val="4243486533"/>
       </p:ext>
     </p:extLst>
   </p:cSld>
@@ -1493,7 +1493,7 @@
           <p:cNvPr id="2" name="标题 1">
             <a:extLst>
               <a:ext uri="{FF2B5EF4-FFF2-40B4-BE49-F238E27FC236}">
-                <a16:creationId xmlns:a16="http://schemas.microsoft.com/office/drawing/2014/main" id="{BCBE84C7-56C6-DD53-CE23-50A85BEF19A5}"/>
+                <a16:creationId xmlns:a16="http://schemas.microsoft.com/office/drawing/2014/main" id="{230F90B3-47F6-4F9C-E0F2-733DD6B83AAF}"/>
               </a:ext>
             </a:extLst>
           </p:cNvPr>
@@ -1526,7 +1526,7 @@
           <p:cNvPr id="3" name="文本占位符 2">
             <a:extLst>
               <a:ext uri="{FF2B5EF4-FFF2-40B4-BE49-F238E27FC236}">
-                <a16:creationId xmlns:a16="http://schemas.microsoft.com/office/drawing/2014/main" id="{8551DA43-3719-99E2-4492-A01E133FAFEE}"/>
+                <a16:creationId xmlns:a16="http://schemas.microsoft.com/office/drawing/2014/main" id="{CDC0ECE6-1AF5-163D-7C7E-67CDFB67F701}"/>
               </a:ext>
             </a:extLst>
           </p:cNvPr>
@@ -1597,7 +1597,7 @@
           <p:cNvPr id="4" name="内容占位符 3">
             <a:extLst>
               <a:ext uri="{FF2B5EF4-FFF2-40B4-BE49-F238E27FC236}">
-                <a16:creationId xmlns:a16="http://schemas.microsoft.com/office/drawing/2014/main" id="{3CFD1FD1-2F6B-B772-91F9-2ED8233B1F71}"/>
+                <a16:creationId xmlns:a16="http://schemas.microsoft.com/office/drawing/2014/main" id="{6376F3BD-00CA-C70F-1421-64479C4F706E}"/>
               </a:ext>
             </a:extLst>
           </p:cNvPr>
@@ -1659,7 +1659,7 @@
           <p:cNvPr id="5" name="文本占位符 4">
             <a:extLst>
               <a:ext uri="{FF2B5EF4-FFF2-40B4-BE49-F238E27FC236}">
-                <a16:creationId xmlns:a16="http://schemas.microsoft.com/office/drawing/2014/main" id="{59CB2B8E-1F49-269D-8690-121A713CFA71}"/>
+                <a16:creationId xmlns:a16="http://schemas.microsoft.com/office/drawing/2014/main" id="{D1CBB9FE-2502-8B1C-9316-D4858122C9C9}"/>
               </a:ext>
             </a:extLst>
           </p:cNvPr>
@@ -1730,7 +1730,7 @@
           <p:cNvPr id="6" name="内容占位符 5">
             <a:extLst>
               <a:ext uri="{FF2B5EF4-FFF2-40B4-BE49-F238E27FC236}">
-                <a16:creationId xmlns:a16="http://schemas.microsoft.com/office/drawing/2014/main" id="{F2B64388-4ECD-1D63-0C66-451637A7E810}"/>
+                <a16:creationId xmlns:a16="http://schemas.microsoft.com/office/drawing/2014/main" id="{EC988A5B-7471-B389-BABD-70E0D2F94547}"/>
               </a:ext>
             </a:extLst>
           </p:cNvPr>
@@ -1792,7 +1792,7 @@
           <p:cNvPr id="7" name="日期占位符 6">
             <a:extLst>
               <a:ext uri="{FF2B5EF4-FFF2-40B4-BE49-F238E27FC236}">
-                <a16:creationId xmlns:a16="http://schemas.microsoft.com/office/drawing/2014/main" id="{EF998E66-5ED4-F34A-CEFC-7F7A1C1DA3B0}"/>
+                <a16:creationId xmlns:a16="http://schemas.microsoft.com/office/drawing/2014/main" id="{E9BE62D5-EC78-D574-B3E8-8057BBA509E0}"/>
               </a:ext>
             </a:extLst>
           </p:cNvPr>
@@ -1808,7 +1808,7 @@
           <a:bodyPr/>
           <a:lstStyle/>
           <a:p>
-            <a:fld id="{6502C40B-CA3E-47B3-A487-90A2E80DDA92}" type="datetimeFigureOut">
+            <a:fld id="{9368BF96-407F-48CC-9B0B-0AAEACAB5580}" type="datetimeFigureOut">
               <a:rPr lang="zh-CN" altLang="en-US" smtClean="0"/>
               <a:t>2024/3/10</a:t>
             </a:fld>
@@ -1821,7 +1821,7 @@
           <p:cNvPr id="8" name="页脚占位符 7">
             <a:extLst>
               <a:ext uri="{FF2B5EF4-FFF2-40B4-BE49-F238E27FC236}">
-                <a16:creationId xmlns:a16="http://schemas.microsoft.com/office/drawing/2014/main" id="{D9AD993E-34D9-5D7B-F242-FB6BD4D2DC3C}"/>
+                <a16:creationId xmlns:a16="http://schemas.microsoft.com/office/drawing/2014/main" id="{21BD666E-35F8-5B1C-AA1D-D71B887DA89A}"/>
               </a:ext>
             </a:extLst>
           </p:cNvPr>
@@ -1846,7 +1846,7 @@
           <p:cNvPr id="9" name="灯片编号占位符 8">
             <a:extLst>
               <a:ext uri="{FF2B5EF4-FFF2-40B4-BE49-F238E27FC236}">
-                <a16:creationId xmlns:a16="http://schemas.microsoft.com/office/drawing/2014/main" id="{8083246A-164A-EFE5-AAEF-3BBC4BBBBC4F}"/>
+                <a16:creationId xmlns:a16="http://schemas.microsoft.com/office/drawing/2014/main" id="{6F8A3287-94C0-FF48-C4F1-C499F091BB1A}"/>
               </a:ext>
             </a:extLst>
           </p:cNvPr>
@@ -1862,7 +1862,7 @@
           <a:bodyPr/>
           <a:lstStyle/>
           <a:p>
-            <a:fld id="{8889E6E1-C1D3-4F39-809C-6D700C9DA04E}" type="slidenum">
+            <a:fld id="{29B6579C-3C30-4D3C-B365-A7EE7C28A979}" type="slidenum">
               <a:rPr lang="zh-CN" altLang="en-US" smtClean="0"/>
               <a:t>‹#›</a:t>
             </a:fld>
@@ -1873,7 +1873,7 @@
     </p:spTree>
     <p:extLst>
       <p:ext uri="{BB962C8B-B14F-4D97-AF65-F5344CB8AC3E}">
-        <p14:creationId xmlns:p14="http://schemas.microsoft.com/office/powerpoint/2010/main" val="2662042385"/>
+        <p14:creationId xmlns:p14="http://schemas.microsoft.com/office/powerpoint/2010/main" val="457455560"/>
       </p:ext>
     </p:extLst>
   </p:cSld>
@@ -1905,7 +1905,7 @@
           <p:cNvPr id="2" name="标题 1">
             <a:extLst>
               <a:ext uri="{FF2B5EF4-FFF2-40B4-BE49-F238E27FC236}">
-                <a16:creationId xmlns:a16="http://schemas.microsoft.com/office/drawing/2014/main" id="{2F17E490-F9D1-4DC1-F30B-E30AE5B1669E}"/>
+                <a16:creationId xmlns:a16="http://schemas.microsoft.com/office/drawing/2014/main" id="{A79A361B-5AE6-A7F3-88DD-B4F19DA809A8}"/>
               </a:ext>
             </a:extLst>
           </p:cNvPr>
@@ -1933,7 +1933,7 @@
           <p:cNvPr id="3" name="日期占位符 2">
             <a:extLst>
               <a:ext uri="{FF2B5EF4-FFF2-40B4-BE49-F238E27FC236}">
-                <a16:creationId xmlns:a16="http://schemas.microsoft.com/office/drawing/2014/main" id="{521E0FBF-B21A-3FF7-E8BE-6C0F9F22A87F}"/>
+                <a16:creationId xmlns:a16="http://schemas.microsoft.com/office/drawing/2014/main" id="{7E414C08-12C5-3AD1-C35E-06A09A56A592}"/>
               </a:ext>
             </a:extLst>
           </p:cNvPr>
@@ -1949,7 +1949,7 @@
           <a:bodyPr/>
           <a:lstStyle/>
           <a:p>
-            <a:fld id="{6502C40B-CA3E-47B3-A487-90A2E80DDA92}" type="datetimeFigureOut">
+            <a:fld id="{9368BF96-407F-48CC-9B0B-0AAEACAB5580}" type="datetimeFigureOut">
               <a:rPr lang="zh-CN" altLang="en-US" smtClean="0"/>
               <a:t>2024/3/10</a:t>
             </a:fld>
@@ -1962,7 +1962,7 @@
           <p:cNvPr id="4" name="页脚占位符 3">
             <a:extLst>
               <a:ext uri="{FF2B5EF4-FFF2-40B4-BE49-F238E27FC236}">
-                <a16:creationId xmlns:a16="http://schemas.microsoft.com/office/drawing/2014/main" id="{44F3F5B6-9906-629B-84C0-BA13EC679766}"/>
+                <a16:creationId xmlns:a16="http://schemas.microsoft.com/office/drawing/2014/main" id="{312468B4-060A-2532-C1D4-E3E87D497394}"/>
               </a:ext>
             </a:extLst>
           </p:cNvPr>
@@ -1987,7 +1987,7 @@
           <p:cNvPr id="5" name="灯片编号占位符 4">
             <a:extLst>
               <a:ext uri="{FF2B5EF4-FFF2-40B4-BE49-F238E27FC236}">
-                <a16:creationId xmlns:a16="http://schemas.microsoft.com/office/drawing/2014/main" id="{5A403242-6034-EB51-9A4A-667337965949}"/>
+                <a16:creationId xmlns:a16="http://schemas.microsoft.com/office/drawing/2014/main" id="{28AE3518-A0A0-B0B0-B024-D108B9F1D127}"/>
               </a:ext>
             </a:extLst>
           </p:cNvPr>
@@ -2003,7 +2003,7 @@
           <a:bodyPr/>
           <a:lstStyle/>
           <a:p>
-            <a:fld id="{8889E6E1-C1D3-4F39-809C-6D700C9DA04E}" type="slidenum">
+            <a:fld id="{29B6579C-3C30-4D3C-B365-A7EE7C28A979}" type="slidenum">
               <a:rPr lang="zh-CN" altLang="en-US" smtClean="0"/>
               <a:t>‹#›</a:t>
             </a:fld>
@@ -2014,7 +2014,7 @@
     </p:spTree>
     <p:extLst>
       <p:ext uri="{BB962C8B-B14F-4D97-AF65-F5344CB8AC3E}">
-        <p14:creationId xmlns:p14="http://schemas.microsoft.com/office/powerpoint/2010/main" val="2196524178"/>
+        <p14:creationId xmlns:p14="http://schemas.microsoft.com/office/powerpoint/2010/main" val="2718847821"/>
       </p:ext>
     </p:extLst>
   </p:cSld>
@@ -2046,7 +2046,7 @@
           <p:cNvPr id="2" name="日期占位符 1">
             <a:extLst>
               <a:ext uri="{FF2B5EF4-FFF2-40B4-BE49-F238E27FC236}">
-                <a16:creationId xmlns:a16="http://schemas.microsoft.com/office/drawing/2014/main" id="{489E4B08-50F0-8A43-3E0C-018E492E6D6B}"/>
+                <a16:creationId xmlns:a16="http://schemas.microsoft.com/office/drawing/2014/main" id="{7F511AF9-38B9-5234-3F83-E24D07543C90}"/>
               </a:ext>
             </a:extLst>
           </p:cNvPr>
@@ -2062,7 +2062,7 @@
           <a:bodyPr/>
           <a:lstStyle/>
           <a:p>
-            <a:fld id="{6502C40B-CA3E-47B3-A487-90A2E80DDA92}" type="datetimeFigureOut">
+            <a:fld id="{9368BF96-407F-48CC-9B0B-0AAEACAB5580}" type="datetimeFigureOut">
               <a:rPr lang="zh-CN" altLang="en-US" smtClean="0"/>
               <a:t>2024/3/10</a:t>
             </a:fld>
@@ -2075,7 +2075,7 @@
           <p:cNvPr id="3" name="页脚占位符 2">
             <a:extLst>
               <a:ext uri="{FF2B5EF4-FFF2-40B4-BE49-F238E27FC236}">
-                <a16:creationId xmlns:a16="http://schemas.microsoft.com/office/drawing/2014/main" id="{08D2BFB3-FCC8-697D-9A30-FDA210891226}"/>
+                <a16:creationId xmlns:a16="http://schemas.microsoft.com/office/drawing/2014/main" id="{9B697C4C-0920-7D2C-4C57-53112B8C681B}"/>
               </a:ext>
             </a:extLst>
           </p:cNvPr>
@@ -2100,7 +2100,7 @@
           <p:cNvPr id="4" name="灯片编号占位符 3">
             <a:extLst>
               <a:ext uri="{FF2B5EF4-FFF2-40B4-BE49-F238E27FC236}">
-                <a16:creationId xmlns:a16="http://schemas.microsoft.com/office/drawing/2014/main" id="{6EC5A331-2D96-FD0A-DAD0-ABFBAD159018}"/>
+                <a16:creationId xmlns:a16="http://schemas.microsoft.com/office/drawing/2014/main" id="{F7C9CC74-534C-83ED-7B4B-6A4CFFD45A6C}"/>
               </a:ext>
             </a:extLst>
           </p:cNvPr>
@@ -2116,7 +2116,7 @@
           <a:bodyPr/>
           <a:lstStyle/>
           <a:p>
-            <a:fld id="{8889E6E1-C1D3-4F39-809C-6D700C9DA04E}" type="slidenum">
+            <a:fld id="{29B6579C-3C30-4D3C-B365-A7EE7C28A979}" type="slidenum">
               <a:rPr lang="zh-CN" altLang="en-US" smtClean="0"/>
               <a:t>‹#›</a:t>
             </a:fld>
@@ -2127,7 +2127,7 @@
     </p:spTree>
     <p:extLst>
       <p:ext uri="{BB962C8B-B14F-4D97-AF65-F5344CB8AC3E}">
-        <p14:creationId xmlns:p14="http://schemas.microsoft.com/office/powerpoint/2010/main" val="392047876"/>
+        <p14:creationId xmlns:p14="http://schemas.microsoft.com/office/powerpoint/2010/main" val="1171771124"/>
       </p:ext>
     </p:extLst>
   </p:cSld>
@@ -2159,7 +2159,7 @@
           <p:cNvPr id="2" name="标题 1">
             <a:extLst>
               <a:ext uri="{FF2B5EF4-FFF2-40B4-BE49-F238E27FC236}">
-                <a16:creationId xmlns:a16="http://schemas.microsoft.com/office/drawing/2014/main" id="{6D0544D5-ACC7-BB02-16C1-950AE29A57DF}"/>
+                <a16:creationId xmlns:a16="http://schemas.microsoft.com/office/drawing/2014/main" id="{8FC5C7F8-7687-1563-0018-B4A5B98AD2E1}"/>
               </a:ext>
             </a:extLst>
           </p:cNvPr>
@@ -2196,7 +2196,7 @@
           <p:cNvPr id="3" name="内容占位符 2">
             <a:extLst>
               <a:ext uri="{FF2B5EF4-FFF2-40B4-BE49-F238E27FC236}">
-                <a16:creationId xmlns:a16="http://schemas.microsoft.com/office/drawing/2014/main" id="{C6A79955-9A04-13CC-84A4-5BAC9C314603}"/>
+                <a16:creationId xmlns:a16="http://schemas.microsoft.com/office/drawing/2014/main" id="{7198294B-2E9C-C262-A2A3-BF2418FFF528}"/>
               </a:ext>
             </a:extLst>
           </p:cNvPr>
@@ -2286,7 +2286,7 @@
           <p:cNvPr id="4" name="文本占位符 3">
             <a:extLst>
               <a:ext uri="{FF2B5EF4-FFF2-40B4-BE49-F238E27FC236}">
-                <a16:creationId xmlns:a16="http://schemas.microsoft.com/office/drawing/2014/main" id="{AD45CB1D-586B-C131-828B-CE9F79404C2D}"/>
+                <a16:creationId xmlns:a16="http://schemas.microsoft.com/office/drawing/2014/main" id="{41517C57-FE4B-70D3-5CD8-D5DDD50B67F9}"/>
               </a:ext>
             </a:extLst>
           </p:cNvPr>
@@ -2357,7 +2357,7 @@
           <p:cNvPr id="5" name="日期占位符 4">
             <a:extLst>
               <a:ext uri="{FF2B5EF4-FFF2-40B4-BE49-F238E27FC236}">
-                <a16:creationId xmlns:a16="http://schemas.microsoft.com/office/drawing/2014/main" id="{4F17CB64-72CB-FB39-C054-E3B60637959E}"/>
+                <a16:creationId xmlns:a16="http://schemas.microsoft.com/office/drawing/2014/main" id="{6C5A11FE-009E-4925-383D-EF9D2192E47B}"/>
               </a:ext>
             </a:extLst>
           </p:cNvPr>
@@ -2373,7 +2373,7 @@
           <a:bodyPr/>
           <a:lstStyle/>
           <a:p>
-            <a:fld id="{6502C40B-CA3E-47B3-A487-90A2E80DDA92}" type="datetimeFigureOut">
+            <a:fld id="{9368BF96-407F-48CC-9B0B-0AAEACAB5580}" type="datetimeFigureOut">
               <a:rPr lang="zh-CN" altLang="en-US" smtClean="0"/>
               <a:t>2024/3/10</a:t>
             </a:fld>
@@ -2386,7 +2386,7 @@
           <p:cNvPr id="6" name="页脚占位符 5">
             <a:extLst>
               <a:ext uri="{FF2B5EF4-FFF2-40B4-BE49-F238E27FC236}">
-                <a16:creationId xmlns:a16="http://schemas.microsoft.com/office/drawing/2014/main" id="{6E567957-DB59-F990-4686-69566883D789}"/>
+                <a16:creationId xmlns:a16="http://schemas.microsoft.com/office/drawing/2014/main" id="{33734F46-714E-BC3B-933A-13997C52AD00}"/>
               </a:ext>
             </a:extLst>
           </p:cNvPr>
@@ -2411,7 +2411,7 @@
           <p:cNvPr id="7" name="灯片编号占位符 6">
             <a:extLst>
               <a:ext uri="{FF2B5EF4-FFF2-40B4-BE49-F238E27FC236}">
-                <a16:creationId xmlns:a16="http://schemas.microsoft.com/office/drawing/2014/main" id="{63BE1854-3FC2-7DB3-D699-9882248E3670}"/>
+                <a16:creationId xmlns:a16="http://schemas.microsoft.com/office/drawing/2014/main" id="{265DF5AC-520E-7EB0-47D8-20200A426AFF}"/>
               </a:ext>
             </a:extLst>
           </p:cNvPr>
@@ -2427,7 +2427,7 @@
           <a:bodyPr/>
           <a:lstStyle/>
           <a:p>
-            <a:fld id="{8889E6E1-C1D3-4F39-809C-6D700C9DA04E}" type="slidenum">
+            <a:fld id="{29B6579C-3C30-4D3C-B365-A7EE7C28A979}" type="slidenum">
               <a:rPr lang="zh-CN" altLang="en-US" smtClean="0"/>
               <a:t>‹#›</a:t>
             </a:fld>
@@ -2438,7 +2438,7 @@
     </p:spTree>
     <p:extLst>
       <p:ext uri="{BB962C8B-B14F-4D97-AF65-F5344CB8AC3E}">
-        <p14:creationId xmlns:p14="http://schemas.microsoft.com/office/powerpoint/2010/main" val="2616579589"/>
+        <p14:creationId xmlns:p14="http://schemas.microsoft.com/office/powerpoint/2010/main" val="1840379996"/>
       </p:ext>
     </p:extLst>
   </p:cSld>
@@ -2470,7 +2470,7 @@
           <p:cNvPr id="2" name="标题 1">
             <a:extLst>
               <a:ext uri="{FF2B5EF4-FFF2-40B4-BE49-F238E27FC236}">
-                <a16:creationId xmlns:a16="http://schemas.microsoft.com/office/drawing/2014/main" id="{BAD02835-CAE8-FDCB-6E4D-B7D5572104E8}"/>
+                <a16:creationId xmlns:a16="http://schemas.microsoft.com/office/drawing/2014/main" id="{89D0A2C5-B18D-8D62-5CCF-6D1BD3EBCB48}"/>
               </a:ext>
             </a:extLst>
           </p:cNvPr>
@@ -2507,7 +2507,7 @@
           <p:cNvPr id="3" name="图片占位符 2">
             <a:extLst>
               <a:ext uri="{FF2B5EF4-FFF2-40B4-BE49-F238E27FC236}">
-                <a16:creationId xmlns:a16="http://schemas.microsoft.com/office/drawing/2014/main" id="{A0CB2824-FCB3-7A5B-915C-48E73EA365C5}"/>
+                <a16:creationId xmlns:a16="http://schemas.microsoft.com/office/drawing/2014/main" id="{7D1925BB-3C5F-E635-2A78-DC6CBAF744AF}"/>
               </a:ext>
             </a:extLst>
           </p:cNvPr>
@@ -2574,7 +2574,7 @@
           <p:cNvPr id="4" name="文本占位符 3">
             <a:extLst>
               <a:ext uri="{FF2B5EF4-FFF2-40B4-BE49-F238E27FC236}">
-                <a16:creationId xmlns:a16="http://schemas.microsoft.com/office/drawing/2014/main" id="{7744C691-D3F7-2D24-CE2E-95C50A8F3E05}"/>
+                <a16:creationId xmlns:a16="http://schemas.microsoft.com/office/drawing/2014/main" id="{26BF8096-3DB0-9251-4605-535F4A6650FE}"/>
               </a:ext>
             </a:extLst>
           </p:cNvPr>
@@ -2645,7 +2645,7 @@
           <p:cNvPr id="5" name="日期占位符 4">
             <a:extLst>
               <a:ext uri="{FF2B5EF4-FFF2-40B4-BE49-F238E27FC236}">
-                <a16:creationId xmlns:a16="http://schemas.microsoft.com/office/drawing/2014/main" id="{CF8526CB-9CA3-B95A-98BD-6BCC41501B45}"/>
+                <a16:creationId xmlns:a16="http://schemas.microsoft.com/office/drawing/2014/main" id="{E3B7B9A2-D457-66A7-DCB7-58B6F49D2D2C}"/>
               </a:ext>
             </a:extLst>
           </p:cNvPr>
@@ -2661,7 +2661,7 @@
           <a:bodyPr/>
           <a:lstStyle/>
           <a:p>
-            <a:fld id="{6502C40B-CA3E-47B3-A487-90A2E80DDA92}" type="datetimeFigureOut">
+            <a:fld id="{9368BF96-407F-48CC-9B0B-0AAEACAB5580}" type="datetimeFigureOut">
               <a:rPr lang="zh-CN" altLang="en-US" smtClean="0"/>
               <a:t>2024/3/10</a:t>
             </a:fld>
@@ -2674,7 +2674,7 @@
           <p:cNvPr id="6" name="页脚占位符 5">
             <a:extLst>
               <a:ext uri="{FF2B5EF4-FFF2-40B4-BE49-F238E27FC236}">
-                <a16:creationId xmlns:a16="http://schemas.microsoft.com/office/drawing/2014/main" id="{4A2885D9-F7C6-12E8-4996-A987782D6528}"/>
+                <a16:creationId xmlns:a16="http://schemas.microsoft.com/office/drawing/2014/main" id="{24301730-7FD3-BCDD-41FD-2FBC1E9E1A8D}"/>
               </a:ext>
             </a:extLst>
           </p:cNvPr>
@@ -2699,7 +2699,7 @@
           <p:cNvPr id="7" name="灯片编号占位符 6">
             <a:extLst>
               <a:ext uri="{FF2B5EF4-FFF2-40B4-BE49-F238E27FC236}">
-                <a16:creationId xmlns:a16="http://schemas.microsoft.com/office/drawing/2014/main" id="{233AF3C6-FA47-38BB-E633-7F1BB6068E9F}"/>
+                <a16:creationId xmlns:a16="http://schemas.microsoft.com/office/drawing/2014/main" id="{73A94104-150B-587D-771D-58D2AD00C73C}"/>
               </a:ext>
             </a:extLst>
           </p:cNvPr>
@@ -2715,7 +2715,7 @@
           <a:bodyPr/>
           <a:lstStyle/>
           <a:p>
-            <a:fld id="{8889E6E1-C1D3-4F39-809C-6D700C9DA04E}" type="slidenum">
+            <a:fld id="{29B6579C-3C30-4D3C-B365-A7EE7C28A979}" type="slidenum">
               <a:rPr lang="zh-CN" altLang="en-US" smtClean="0"/>
               <a:t>‹#›</a:t>
             </a:fld>
@@ -2726,7 +2726,7 @@
     </p:spTree>
     <p:extLst>
       <p:ext uri="{BB962C8B-B14F-4D97-AF65-F5344CB8AC3E}">
-        <p14:creationId xmlns:p14="http://schemas.microsoft.com/office/powerpoint/2010/main" val="4006490026"/>
+        <p14:creationId xmlns:p14="http://schemas.microsoft.com/office/powerpoint/2010/main" val="2498104184"/>
       </p:ext>
     </p:extLst>
   </p:cSld>
@@ -2763,7 +2763,7 @@
           <p:cNvPr id="2" name="标题占位符 1">
             <a:extLst>
               <a:ext uri="{FF2B5EF4-FFF2-40B4-BE49-F238E27FC236}">
-                <a16:creationId xmlns:a16="http://schemas.microsoft.com/office/drawing/2014/main" id="{8F827B90-7986-89A6-DE51-6CABBC3F2009}"/>
+                <a16:creationId xmlns:a16="http://schemas.microsoft.com/office/drawing/2014/main" id="{744808F1-198B-EEC3-181F-C4036AD4740E}"/>
               </a:ext>
             </a:extLst>
           </p:cNvPr>
@@ -2801,7 +2801,7 @@
           <p:cNvPr id="3" name="文本占位符 2">
             <a:extLst>
               <a:ext uri="{FF2B5EF4-FFF2-40B4-BE49-F238E27FC236}">
-                <a16:creationId xmlns:a16="http://schemas.microsoft.com/office/drawing/2014/main" id="{A55F4044-6E41-25E2-841F-8F602027A5C6}"/>
+                <a16:creationId xmlns:a16="http://schemas.microsoft.com/office/drawing/2014/main" id="{36865A76-0FB9-9A64-18B8-381A37877DB8}"/>
               </a:ext>
             </a:extLst>
           </p:cNvPr>
@@ -2868,7 +2868,7 @@
           <p:cNvPr id="4" name="日期占位符 3">
             <a:extLst>
               <a:ext uri="{FF2B5EF4-FFF2-40B4-BE49-F238E27FC236}">
-                <a16:creationId xmlns:a16="http://schemas.microsoft.com/office/drawing/2014/main" id="{ACEF1A1A-A943-1BA2-9B8B-4B3DD618E469}"/>
+                <a16:creationId xmlns:a16="http://schemas.microsoft.com/office/drawing/2014/main" id="{B1F7AA06-A655-F7A6-10E8-58A6F0818620}"/>
               </a:ext>
             </a:extLst>
           </p:cNvPr>
@@ -2902,7 +2902,7 @@
             </a:lvl1pPr>
           </a:lstStyle>
           <a:p>
-            <a:fld id="{6502C40B-CA3E-47B3-A487-90A2E80DDA92}" type="datetimeFigureOut">
+            <a:fld id="{9368BF96-407F-48CC-9B0B-0AAEACAB5580}" type="datetimeFigureOut">
               <a:rPr lang="zh-CN" altLang="en-US" smtClean="0"/>
               <a:t>2024/3/10</a:t>
             </a:fld>
@@ -2915,7 +2915,7 @@
           <p:cNvPr id="5" name="页脚占位符 4">
             <a:extLst>
               <a:ext uri="{FF2B5EF4-FFF2-40B4-BE49-F238E27FC236}">
-                <a16:creationId xmlns:a16="http://schemas.microsoft.com/office/drawing/2014/main" id="{9D294D3D-1FB4-E116-8CAE-12B9124EF0AA}"/>
+                <a16:creationId xmlns:a16="http://schemas.microsoft.com/office/drawing/2014/main" id="{FC2805C5-8DD6-E3C4-999E-49F019F15D83}"/>
               </a:ext>
             </a:extLst>
           </p:cNvPr>
@@ -2958,7 +2958,7 @@
           <p:cNvPr id="6" name="灯片编号占位符 5">
             <a:extLst>
               <a:ext uri="{FF2B5EF4-FFF2-40B4-BE49-F238E27FC236}">
-                <a16:creationId xmlns:a16="http://schemas.microsoft.com/office/drawing/2014/main" id="{FAAEDFA7-F5B4-811E-4F39-6E942681EE68}"/>
+                <a16:creationId xmlns:a16="http://schemas.microsoft.com/office/drawing/2014/main" id="{1CD038C5-5550-4516-C9FC-2E556CF854DE}"/>
               </a:ext>
             </a:extLst>
           </p:cNvPr>
@@ -2992,7 +2992,7 @@
             </a:lvl1pPr>
           </a:lstStyle>
           <a:p>
-            <a:fld id="{8889E6E1-C1D3-4F39-809C-6D700C9DA04E}" type="slidenum">
+            <a:fld id="{29B6579C-3C30-4D3C-B365-A7EE7C28A979}" type="slidenum">
               <a:rPr lang="zh-CN" altLang="en-US" smtClean="0"/>
               <a:t>‹#›</a:t>
             </a:fld>
@@ -3003,7 +3003,7 @@
     </p:spTree>
     <p:extLst>
       <p:ext uri="{BB962C8B-B14F-4D97-AF65-F5344CB8AC3E}">
-        <p14:creationId xmlns:p14="http://schemas.microsoft.com/office/powerpoint/2010/main" val="3520616838"/>
+        <p14:creationId xmlns:p14="http://schemas.microsoft.com/office/powerpoint/2010/main" val="3407292953"/>
       </p:ext>
     </p:extLst>
   </p:cSld>
